--- a/TechPlatform/gRPC_Session1_10Oct2020/Documentation/gRPC_Service_Client_SQL.pptx
+++ b/TechPlatform/gRPC_Session1_10Oct2020/Documentation/gRPC_Service_Client_SQL.pptx
@@ -231,7 +231,7 @@
           <a:p>
             <a:fld id="{289D7669-2C4F-4057-B198-13E596C98571}" type="datetimeFigureOut">
               <a:rPr lang="en-IN" smtClean="0"/>
-              <a:t>09-10-2020</a:t>
+              <a:t>10-10-2020</a:t>
             </a:fld>
             <a:endParaRPr lang="en-IN"/>
           </a:p>
@@ -648,7 +648,7 @@
           <a:p>
             <a:fld id="{AAAFDAC1-E73E-4D41-B9D9-D9AB5226AECC}" type="datetimeFigureOut">
               <a:rPr lang="en-IN" smtClean="0"/>
-              <a:t>09-10-2020</a:t>
+              <a:t>10-10-2020</a:t>
             </a:fld>
             <a:endParaRPr lang="en-IN"/>
           </a:p>
@@ -848,7 +848,7 @@
           <a:p>
             <a:fld id="{AAAFDAC1-E73E-4D41-B9D9-D9AB5226AECC}" type="datetimeFigureOut">
               <a:rPr lang="en-IN" smtClean="0"/>
-              <a:t>09-10-2020</a:t>
+              <a:t>10-10-2020</a:t>
             </a:fld>
             <a:endParaRPr lang="en-IN"/>
           </a:p>
@@ -1058,7 +1058,7 @@
           <a:p>
             <a:fld id="{AAAFDAC1-E73E-4D41-B9D9-D9AB5226AECC}" type="datetimeFigureOut">
               <a:rPr lang="en-IN" smtClean="0"/>
-              <a:t>09-10-2020</a:t>
+              <a:t>10-10-2020</a:t>
             </a:fld>
             <a:endParaRPr lang="en-IN"/>
           </a:p>
@@ -1258,7 +1258,7 @@
           <a:p>
             <a:fld id="{AAAFDAC1-E73E-4D41-B9D9-D9AB5226AECC}" type="datetimeFigureOut">
               <a:rPr lang="en-IN" smtClean="0"/>
-              <a:t>09-10-2020</a:t>
+              <a:t>10-10-2020</a:t>
             </a:fld>
             <a:endParaRPr lang="en-IN"/>
           </a:p>
@@ -1534,7 +1534,7 @@
           <a:p>
             <a:fld id="{AAAFDAC1-E73E-4D41-B9D9-D9AB5226AECC}" type="datetimeFigureOut">
               <a:rPr lang="en-IN" smtClean="0"/>
-              <a:t>09-10-2020</a:t>
+              <a:t>10-10-2020</a:t>
             </a:fld>
             <a:endParaRPr lang="en-IN"/>
           </a:p>
@@ -1802,7 +1802,7 @@
           <a:p>
             <a:fld id="{AAAFDAC1-E73E-4D41-B9D9-D9AB5226AECC}" type="datetimeFigureOut">
               <a:rPr lang="en-IN" smtClean="0"/>
-              <a:t>09-10-2020</a:t>
+              <a:t>10-10-2020</a:t>
             </a:fld>
             <a:endParaRPr lang="en-IN"/>
           </a:p>
@@ -2217,7 +2217,7 @@
           <a:p>
             <a:fld id="{AAAFDAC1-E73E-4D41-B9D9-D9AB5226AECC}" type="datetimeFigureOut">
               <a:rPr lang="en-IN" smtClean="0"/>
-              <a:t>09-10-2020</a:t>
+              <a:t>10-10-2020</a:t>
             </a:fld>
             <a:endParaRPr lang="en-IN"/>
           </a:p>
@@ -2359,7 +2359,7 @@
           <a:p>
             <a:fld id="{AAAFDAC1-E73E-4D41-B9D9-D9AB5226AECC}" type="datetimeFigureOut">
               <a:rPr lang="en-IN" smtClean="0"/>
-              <a:t>09-10-2020</a:t>
+              <a:t>10-10-2020</a:t>
             </a:fld>
             <a:endParaRPr lang="en-IN"/>
           </a:p>
@@ -2472,7 +2472,7 @@
           <a:p>
             <a:fld id="{AAAFDAC1-E73E-4D41-B9D9-D9AB5226AECC}" type="datetimeFigureOut">
               <a:rPr lang="en-IN" smtClean="0"/>
-              <a:t>09-10-2020</a:t>
+              <a:t>10-10-2020</a:t>
             </a:fld>
             <a:endParaRPr lang="en-IN"/>
           </a:p>
@@ -2785,7 +2785,7 @@
           <a:p>
             <a:fld id="{AAAFDAC1-E73E-4D41-B9D9-D9AB5226AECC}" type="datetimeFigureOut">
               <a:rPr lang="en-IN" smtClean="0"/>
-              <a:t>09-10-2020</a:t>
+              <a:t>10-10-2020</a:t>
             </a:fld>
             <a:endParaRPr lang="en-IN"/>
           </a:p>
@@ -3074,7 +3074,7 @@
           <a:p>
             <a:fld id="{AAAFDAC1-E73E-4D41-B9D9-D9AB5226AECC}" type="datetimeFigureOut">
               <a:rPr lang="en-IN" smtClean="0"/>
-              <a:t>09-10-2020</a:t>
+              <a:t>10-10-2020</a:t>
             </a:fld>
             <a:endParaRPr lang="en-IN"/>
           </a:p>
@@ -3317,7 +3317,7 @@
           <a:p>
             <a:fld id="{AAAFDAC1-E73E-4D41-B9D9-D9AB5226AECC}" type="datetimeFigureOut">
               <a:rPr lang="en-IN" smtClean="0"/>
-              <a:t>09-10-2020</a:t>
+              <a:t>10-10-2020</a:t>
             </a:fld>
             <a:endParaRPr lang="en-IN"/>
           </a:p>
@@ -8711,10 +8711,10 @@
       </p:pic>
       <p:pic>
         <p:nvPicPr>
-          <p:cNvPr id="3" name="Picture 2">
-            <a:extLst>
-              <a:ext uri="{FF2B5EF4-FFF2-40B4-BE49-F238E27FC236}">
-                <a16:creationId xmlns:a16="http://schemas.microsoft.com/office/drawing/2014/main" id="{ED0F33C9-AB69-44E9-BB93-188CC1D9BC20}"/>
+          <p:cNvPr id="6" name="Picture 5">
+            <a:extLst>
+              <a:ext uri="{FF2B5EF4-FFF2-40B4-BE49-F238E27FC236}">
+                <a16:creationId xmlns:a16="http://schemas.microsoft.com/office/drawing/2014/main" id="{ADC45C1D-93DA-41A9-9631-8A1B7086F13B}"/>
               </a:ext>
             </a:extLst>
           </p:cNvPr>
@@ -8731,8 +8731,8 @@
         </p:blipFill>
         <p:spPr>
           <a:xfrm>
-            <a:off x="71023" y="600075"/>
-            <a:ext cx="2895600" cy="2828925"/>
+            <a:off x="71023" y="588086"/>
+            <a:ext cx="2889125" cy="2800350"/>
           </a:xfrm>
           <a:prstGeom prst="rect">
             <a:avLst/>
